--- a/week1/Intro.pptx
+++ b/week1/Intro.pptx
@@ -5,20 +5,21 @@
     <p:sldMasterId id="2147483648" r:id="rId1"/>
   </p:sldMasterIdLst>
   <p:notesMasterIdLst>
-    <p:notesMasterId r:id="rId10"/>
+    <p:notesMasterId r:id="rId11"/>
   </p:notesMasterIdLst>
   <p:handoutMasterIdLst>
-    <p:handoutMasterId r:id="rId11"/>
+    <p:handoutMasterId r:id="rId12"/>
   </p:handoutMasterIdLst>
   <p:sldIdLst>
-    <p:sldId id="257" r:id="rId2"/>
-    <p:sldId id="258" r:id="rId3"/>
-    <p:sldId id="259" r:id="rId4"/>
-    <p:sldId id="260" r:id="rId5"/>
-    <p:sldId id="261" r:id="rId6"/>
-    <p:sldId id="262" r:id="rId7"/>
-    <p:sldId id="263" r:id="rId8"/>
-    <p:sldId id="264" r:id="rId9"/>
+    <p:sldId id="265" r:id="rId2"/>
+    <p:sldId id="257" r:id="rId3"/>
+    <p:sldId id="258" r:id="rId4"/>
+    <p:sldId id="259" r:id="rId5"/>
+    <p:sldId id="260" r:id="rId6"/>
+    <p:sldId id="261" r:id="rId7"/>
+    <p:sldId id="262" r:id="rId8"/>
+    <p:sldId id="263" r:id="rId9"/>
+    <p:sldId id="264" r:id="rId10"/>
   </p:sldIdLst>
   <p:sldSz cx="9144000" cy="6858000" type="screen4x3"/>
   <p:notesSz cx="6858000" cy="9144000"/>
@@ -202,7 +203,7 @@
           <a:p>
             <a:fld id="{D3210F2F-CB68-634B-A355-312A44EF4D77}" type="datetimeFigureOut">
               <a:rPr lang="en-US" smtClean="0"/>
-              <a:t>1/24/17</a:t>
+              <a:t>2/1/17</a:t>
             </a:fld>
             <a:endParaRPr lang="en-US" dirty="0"/>
           </a:p>
@@ -368,7 +369,7 @@
           <a:p>
             <a:fld id="{1D36EAAC-A23B-0444-9138-3C572582612F}" type="datetimeFigureOut">
               <a:rPr lang="en-US" smtClean="0"/>
-              <a:t>1/24/17</a:t>
+              <a:t>2/1/17</a:t>
             </a:fld>
             <a:endParaRPr lang="en-US" dirty="0"/>
           </a:p>
@@ -702,7 +703,7 @@
           <a:p>
             <a:fld id="{CA6C034D-A02F-E245-A0CC-5091DA361F49}" type="slidenum">
               <a:rPr lang="en-US" smtClean="0"/>
-              <a:t>1</a:t>
+              <a:t>2</a:t>
             </a:fld>
             <a:endParaRPr lang="en-US" dirty="0"/>
           </a:p>
@@ -3959,6 +3960,100 @@
       </p:grpSpPr>
       <p:sp>
         <p:nvSpPr>
+          <p:cNvPr id="2" name="Title 1"/>
+          <p:cNvSpPr>
+            <a:spLocks noGrp="1"/>
+          </p:cNvSpPr>
+          <p:nvPr>
+            <p:ph type="ctrTitle"/>
+          </p:nvPr>
+        </p:nvSpPr>
+        <p:spPr>
+          <a:xfrm>
+            <a:off x="685800" y="2130425"/>
+            <a:ext cx="8266760" cy="1470025"/>
+          </a:xfrm>
+        </p:spPr>
+        <p:txBody>
+          <a:bodyPr>
+            <a:noAutofit/>
+          </a:bodyPr>
+          <a:lstStyle/>
+          <a:p>
+            <a:r>
+              <a:rPr lang="en-US" sz="3200" dirty="0" err="1" smtClean="0"/>
+              <a:t>www.github.com</a:t>
+            </a:r>
+            <a:r>
+              <a:rPr lang="en-US" sz="3200" dirty="0" smtClean="0"/>
+              <a:t>/</a:t>
+            </a:r>
+            <a:r>
+              <a:rPr lang="en-US" sz="3200" dirty="0" err="1" smtClean="0"/>
+              <a:t>ianmisner</a:t>
+            </a:r>
+            <a:r>
+              <a:rPr lang="en-US" sz="3200" dirty="0" smtClean="0"/>
+              <a:t>/BIO309_Spring2017</a:t>
+            </a:r>
+            <a:br>
+              <a:rPr lang="en-US" sz="3200" dirty="0" smtClean="0"/>
+            </a:br>
+            <a:endParaRPr lang="en-US" sz="3200" dirty="0"/>
+          </a:p>
+        </p:txBody>
+      </p:sp>
+    </p:spTree>
+    <p:extLst>
+      <p:ext uri="{BB962C8B-B14F-4D97-AF65-F5344CB8AC3E}">
+        <p14:creationId xmlns:p14="http://schemas.microsoft.com/office/powerpoint/2010/main" val="2724493159"/>
+      </p:ext>
+    </p:extLst>
+  </p:cSld>
+  <p:clrMapOvr>
+    <a:masterClrMapping/>
+  </p:clrMapOvr>
+  <mc:AlternateContent xmlns:mc="http://schemas.openxmlformats.org/markup-compatibility/2006" xmlns:p14="http://schemas.microsoft.com/office/powerpoint/2010/main">
+    <mc:Choice Requires="p14">
+      <p:transition spd="med" p14:dur="700">
+        <p:fade/>
+      </p:transition>
+    </mc:Choice>
+    <mc:Fallback xmlns="">
+      <p:transition xmlns:p14="http://schemas.microsoft.com/office/powerpoint/2010/main" spd="med">
+        <p:fade/>
+      </p:transition>
+    </mc:Fallback>
+  </mc:AlternateContent>
+  <p:timing>
+    <p:tnLst>
+      <p:par>
+        <p:cTn xmlns:p14="http://schemas.microsoft.com/office/powerpoint/2010/main" id="1" dur="indefinite" restart="never" nodeType="tmRoot"/>
+      </p:par>
+    </p:tnLst>
+  </p:timing>
+</p:sld>
+</file>
+
+<file path=ppt/slides/slide2.xml><?xml version="1.0" encoding="utf-8"?>
+<p:sld xmlns:a="http://schemas.openxmlformats.org/drawingml/2006/main" xmlns:r="http://schemas.openxmlformats.org/officeDocument/2006/relationships" xmlns:p="http://schemas.openxmlformats.org/presentationml/2006/main">
+  <p:cSld>
+    <p:spTree>
+      <p:nvGrpSpPr>
+        <p:cNvPr id="1" name=""/>
+        <p:cNvGrpSpPr/>
+        <p:nvPr/>
+      </p:nvGrpSpPr>
+      <p:grpSpPr>
+        <a:xfrm>
+          <a:off x="0" y="0"/>
+          <a:ext cx="0" cy="0"/>
+          <a:chOff x="0" y="0"/>
+          <a:chExt cx="0" cy="0"/>
+        </a:xfrm>
+      </p:grpSpPr>
+      <p:sp>
+        <p:nvSpPr>
           <p:cNvPr id="6" name="Title 5"/>
           <p:cNvSpPr>
             <a:spLocks noGrp="1"/>
@@ -4041,7 +4136,7 @@
 </p:sld>
 </file>
 
-<file path=ppt/slides/slide2.xml><?xml version="1.0" encoding="utf-8"?>
+<file path=ppt/slides/slide3.xml><?xml version="1.0" encoding="utf-8"?>
 <p:sld xmlns:a="http://schemas.openxmlformats.org/drawingml/2006/main" xmlns:r="http://schemas.openxmlformats.org/officeDocument/2006/relationships" xmlns:p="http://schemas.openxmlformats.org/presentationml/2006/main">
   <p:cSld>
     <p:spTree>
@@ -4456,395 +4551,6 @@
 </p:sld>
 </file>
 
-<file path=ppt/slides/slide3.xml><?xml version="1.0" encoding="utf-8"?>
-<p:sld xmlns:a="http://schemas.openxmlformats.org/drawingml/2006/main" xmlns:r="http://schemas.openxmlformats.org/officeDocument/2006/relationships" xmlns:p="http://schemas.openxmlformats.org/presentationml/2006/main">
-  <p:cSld>
-    <p:spTree>
-      <p:nvGrpSpPr>
-        <p:cNvPr id="1" name=""/>
-        <p:cNvGrpSpPr/>
-        <p:nvPr/>
-      </p:nvGrpSpPr>
-      <p:grpSpPr>
-        <a:xfrm>
-          <a:off x="0" y="0"/>
-          <a:ext cx="0" cy="0"/>
-          <a:chOff x="0" y="0"/>
-          <a:chExt cx="0" cy="0"/>
-        </a:xfrm>
-      </p:grpSpPr>
-      <p:sp>
-        <p:nvSpPr>
-          <p:cNvPr id="2" name="Title 1"/>
-          <p:cNvSpPr>
-            <a:spLocks noGrp="1"/>
-          </p:cNvSpPr>
-          <p:nvPr>
-            <p:ph type="title"/>
-          </p:nvPr>
-        </p:nvSpPr>
-        <p:spPr/>
-        <p:txBody>
-          <a:bodyPr/>
-          <a:lstStyle/>
-          <a:p>
-            <a:r>
-              <a:rPr lang="en-US" dirty="0" smtClean="0"/>
-              <a:t>The Zen of Python</a:t>
-            </a:r>
-            <a:endParaRPr lang="en-US" dirty="0"/>
-          </a:p>
-        </p:txBody>
-      </p:sp>
-      <p:sp>
-        <p:nvSpPr>
-          <p:cNvPr id="3" name="Content Placeholder 2"/>
-          <p:cNvSpPr>
-            <a:spLocks noGrp="1"/>
-          </p:cNvSpPr>
-          <p:nvPr>
-            <p:ph idx="1"/>
-          </p:nvPr>
-        </p:nvSpPr>
-        <p:spPr/>
-        <p:txBody>
-          <a:bodyPr/>
-          <a:lstStyle/>
-          <a:p>
-            <a:r>
-              <a:rPr lang="en-US" dirty="0" smtClean="0"/>
-              <a:t>Beautiful is better than ugly.</a:t>
-            </a:r>
-          </a:p>
-          <a:p>
-            <a:r>
-              <a:rPr lang="en-US" dirty="0" smtClean="0"/>
-              <a:t>Explicit is better than implicit.</a:t>
-            </a:r>
-          </a:p>
-          <a:p>
-            <a:r>
-              <a:rPr lang="en-US" dirty="0" smtClean="0"/>
-              <a:t>Simple is better than complex.</a:t>
-            </a:r>
-          </a:p>
-          <a:p>
-            <a:r>
-              <a:rPr lang="en-US" dirty="0" smtClean="0"/>
-              <a:t>Complex is better than complicated.</a:t>
-            </a:r>
-          </a:p>
-          <a:p>
-            <a:r>
-              <a:rPr lang="en-US" dirty="0" smtClean="0"/>
-              <a:t>Readability counts.</a:t>
-            </a:r>
-          </a:p>
-        </p:txBody>
-      </p:sp>
-    </p:spTree>
-    <p:extLst>
-      <p:ext uri="{BB962C8B-B14F-4D97-AF65-F5344CB8AC3E}">
-        <p14:creationId xmlns:p14="http://schemas.microsoft.com/office/powerpoint/2010/main" val="247891153"/>
-      </p:ext>
-    </p:extLst>
-  </p:cSld>
-  <p:clrMapOvr>
-    <a:masterClrMapping/>
-  </p:clrMapOvr>
-  <mc:AlternateContent xmlns:mc="http://schemas.openxmlformats.org/markup-compatibility/2006" xmlns:p14="http://schemas.microsoft.com/office/powerpoint/2010/main">
-    <mc:Choice Requires="p14">
-      <p:transition spd="med" p14:dur="700">
-        <p:fade/>
-      </p:transition>
-    </mc:Choice>
-    <mc:Fallback xmlns="">
-      <p:transition xmlns:p14="http://schemas.microsoft.com/office/powerpoint/2010/main" spd="med">
-        <p:fade/>
-      </p:transition>
-    </mc:Fallback>
-  </mc:AlternateContent>
-  <p:timing>
-    <p:tnLst>
-      <p:par>
-        <p:cTn xmlns:p14="http://schemas.microsoft.com/office/powerpoint/2010/main" id="1" dur="indefinite" restart="never" nodeType="tmRoot">
-          <p:childTnLst>
-            <p:seq concurrent="1" nextAc="seek">
-              <p:cTn id="2" dur="indefinite" nodeType="mainSeq">
-                <p:childTnLst>
-                  <p:par>
-                    <p:cTn id="3" fill="hold">
-                      <p:stCondLst>
-                        <p:cond delay="indefinite"/>
-                      </p:stCondLst>
-                      <p:childTnLst>
-                        <p:par>
-                          <p:cTn id="4" fill="hold">
-                            <p:stCondLst>
-                              <p:cond delay="0"/>
-                            </p:stCondLst>
-                            <p:childTnLst>
-                              <p:par>
-                                <p:cTn id="5" presetID="1" presetClass="entr" presetSubtype="0" fill="hold" grpId="0" nodeType="clickEffect">
-                                  <p:stCondLst>
-                                    <p:cond delay="0"/>
-                                  </p:stCondLst>
-                                  <p:childTnLst>
-                                    <p:set>
-                                      <p:cBhvr>
-                                        <p:cTn id="6" dur="1" fill="hold">
-                                          <p:stCondLst>
-                                            <p:cond delay="0"/>
-                                          </p:stCondLst>
-                                        </p:cTn>
-                                        <p:tgtEl>
-                                          <p:spTgt spid="3">
-                                            <p:txEl>
-                                              <p:pRg st="0" end="0"/>
-                                            </p:txEl>
-                                          </p:spTgt>
-                                        </p:tgtEl>
-                                        <p:attrNameLst>
-                                          <p:attrName>style.visibility</p:attrName>
-                                        </p:attrNameLst>
-                                      </p:cBhvr>
-                                      <p:to>
-                                        <p:strVal val="visible"/>
-                                      </p:to>
-                                    </p:set>
-                                  </p:childTnLst>
-                                </p:cTn>
-                              </p:par>
-                            </p:childTnLst>
-                          </p:cTn>
-                        </p:par>
-                      </p:childTnLst>
-                    </p:cTn>
-                  </p:par>
-                  <p:par>
-                    <p:cTn id="7" fill="hold">
-                      <p:stCondLst>
-                        <p:cond delay="indefinite"/>
-                      </p:stCondLst>
-                      <p:childTnLst>
-                        <p:par>
-                          <p:cTn id="8" fill="hold">
-                            <p:stCondLst>
-                              <p:cond delay="0"/>
-                            </p:stCondLst>
-                            <p:childTnLst>
-                              <p:par>
-                                <p:cTn id="9" presetID="1" presetClass="entr" presetSubtype="0" fill="hold" grpId="0" nodeType="clickEffect">
-                                  <p:stCondLst>
-                                    <p:cond delay="0"/>
-                                  </p:stCondLst>
-                                  <p:childTnLst>
-                                    <p:set>
-                                      <p:cBhvr>
-                                        <p:cTn id="10" dur="1" fill="hold">
-                                          <p:stCondLst>
-                                            <p:cond delay="0"/>
-                                          </p:stCondLst>
-                                        </p:cTn>
-                                        <p:tgtEl>
-                                          <p:spTgt spid="3">
-                                            <p:txEl>
-                                              <p:pRg st="1" end="1"/>
-                                            </p:txEl>
-                                          </p:spTgt>
-                                        </p:tgtEl>
-                                        <p:attrNameLst>
-                                          <p:attrName>style.visibility</p:attrName>
-                                        </p:attrNameLst>
-                                      </p:cBhvr>
-                                      <p:to>
-                                        <p:strVal val="visible"/>
-                                      </p:to>
-                                    </p:set>
-                                  </p:childTnLst>
-                                </p:cTn>
-                              </p:par>
-                            </p:childTnLst>
-                          </p:cTn>
-                        </p:par>
-                      </p:childTnLst>
-                    </p:cTn>
-                  </p:par>
-                  <p:par>
-                    <p:cTn id="11" fill="hold">
-                      <p:stCondLst>
-                        <p:cond delay="indefinite"/>
-                      </p:stCondLst>
-                      <p:childTnLst>
-                        <p:par>
-                          <p:cTn id="12" fill="hold">
-                            <p:stCondLst>
-                              <p:cond delay="0"/>
-                            </p:stCondLst>
-                            <p:childTnLst>
-                              <p:par>
-                                <p:cTn id="13" presetID="1" presetClass="entr" presetSubtype="0" fill="hold" grpId="0" nodeType="clickEffect">
-                                  <p:stCondLst>
-                                    <p:cond delay="0"/>
-                                  </p:stCondLst>
-                                  <p:childTnLst>
-                                    <p:set>
-                                      <p:cBhvr>
-                                        <p:cTn id="14" dur="1" fill="hold">
-                                          <p:stCondLst>
-                                            <p:cond delay="0"/>
-                                          </p:stCondLst>
-                                        </p:cTn>
-                                        <p:tgtEl>
-                                          <p:spTgt spid="3">
-                                            <p:txEl>
-                                              <p:pRg st="2" end="2"/>
-                                            </p:txEl>
-                                          </p:spTgt>
-                                        </p:tgtEl>
-                                        <p:attrNameLst>
-                                          <p:attrName>style.visibility</p:attrName>
-                                        </p:attrNameLst>
-                                      </p:cBhvr>
-                                      <p:to>
-                                        <p:strVal val="visible"/>
-                                      </p:to>
-                                    </p:set>
-                                  </p:childTnLst>
-                                </p:cTn>
-                              </p:par>
-                            </p:childTnLst>
-                          </p:cTn>
-                        </p:par>
-                      </p:childTnLst>
-                    </p:cTn>
-                  </p:par>
-                  <p:par>
-                    <p:cTn id="15" fill="hold">
-                      <p:stCondLst>
-                        <p:cond delay="indefinite"/>
-                      </p:stCondLst>
-                      <p:childTnLst>
-                        <p:par>
-                          <p:cTn id="16" fill="hold">
-                            <p:stCondLst>
-                              <p:cond delay="0"/>
-                            </p:stCondLst>
-                            <p:childTnLst>
-                              <p:par>
-                                <p:cTn id="17" presetID="1" presetClass="entr" presetSubtype="0" fill="hold" grpId="0" nodeType="clickEffect">
-                                  <p:stCondLst>
-                                    <p:cond delay="0"/>
-                                  </p:stCondLst>
-                                  <p:childTnLst>
-                                    <p:set>
-                                      <p:cBhvr>
-                                        <p:cTn id="18" dur="1" fill="hold">
-                                          <p:stCondLst>
-                                            <p:cond delay="0"/>
-                                          </p:stCondLst>
-                                        </p:cTn>
-                                        <p:tgtEl>
-                                          <p:spTgt spid="3">
-                                            <p:txEl>
-                                              <p:pRg st="3" end="3"/>
-                                            </p:txEl>
-                                          </p:spTgt>
-                                        </p:tgtEl>
-                                        <p:attrNameLst>
-                                          <p:attrName>style.visibility</p:attrName>
-                                        </p:attrNameLst>
-                                      </p:cBhvr>
-                                      <p:to>
-                                        <p:strVal val="visible"/>
-                                      </p:to>
-                                    </p:set>
-                                  </p:childTnLst>
-                                </p:cTn>
-                              </p:par>
-                            </p:childTnLst>
-                          </p:cTn>
-                        </p:par>
-                      </p:childTnLst>
-                    </p:cTn>
-                  </p:par>
-                  <p:par>
-                    <p:cTn id="19" fill="hold">
-                      <p:stCondLst>
-                        <p:cond delay="indefinite"/>
-                      </p:stCondLst>
-                      <p:childTnLst>
-                        <p:par>
-                          <p:cTn id="20" fill="hold">
-                            <p:stCondLst>
-                              <p:cond delay="0"/>
-                            </p:stCondLst>
-                            <p:childTnLst>
-                              <p:par>
-                                <p:cTn id="21" presetID="1" presetClass="entr" presetSubtype="0" fill="hold" grpId="0" nodeType="clickEffect">
-                                  <p:stCondLst>
-                                    <p:cond delay="0"/>
-                                  </p:stCondLst>
-                                  <p:childTnLst>
-                                    <p:set>
-                                      <p:cBhvr>
-                                        <p:cTn id="22" dur="1" fill="hold">
-                                          <p:stCondLst>
-                                            <p:cond delay="0"/>
-                                          </p:stCondLst>
-                                        </p:cTn>
-                                        <p:tgtEl>
-                                          <p:spTgt spid="3">
-                                            <p:txEl>
-                                              <p:pRg st="4" end="4"/>
-                                            </p:txEl>
-                                          </p:spTgt>
-                                        </p:tgtEl>
-                                        <p:attrNameLst>
-                                          <p:attrName>style.visibility</p:attrName>
-                                        </p:attrNameLst>
-                                      </p:cBhvr>
-                                      <p:to>
-                                        <p:strVal val="visible"/>
-                                      </p:to>
-                                    </p:set>
-                                  </p:childTnLst>
-                                </p:cTn>
-                              </p:par>
-                            </p:childTnLst>
-                          </p:cTn>
-                        </p:par>
-                      </p:childTnLst>
-                    </p:cTn>
-                  </p:par>
-                </p:childTnLst>
-              </p:cTn>
-              <p:prevCondLst>
-                <p:cond evt="onPrev" delay="0">
-                  <p:tgtEl>
-                    <p:sldTgt/>
-                  </p:tgtEl>
-                </p:cond>
-              </p:prevCondLst>
-              <p:nextCondLst>
-                <p:cond evt="onNext" delay="0">
-                  <p:tgtEl>
-                    <p:sldTgt/>
-                  </p:tgtEl>
-                </p:cond>
-              </p:nextCondLst>
-            </p:seq>
-          </p:childTnLst>
-        </p:cTn>
-      </p:par>
-    </p:tnLst>
-    <p:bldLst>
-      <p:bldP spid="3" grpId="0" build="p"/>
-    </p:bldLst>
-  </p:timing>
-</p:sld>
-</file>
-
 <file path=ppt/slides/slide4.xml><?xml version="1.0" encoding="utf-8"?>
 <p:sld xmlns:a="http://schemas.openxmlformats.org/drawingml/2006/main" xmlns:r="http://schemas.openxmlformats.org/officeDocument/2006/relationships" xmlns:p="http://schemas.openxmlformats.org/presentationml/2006/main">
   <p:cSld>
@@ -4879,7 +4585,7 @@
           <a:p>
             <a:r>
               <a:rPr lang="en-US" dirty="0" smtClean="0"/>
-              <a:t>Why Python?</a:t>
+              <a:t>The Zen of Python</a:t>
             </a:r>
             <a:endParaRPr lang="en-US" dirty="0"/>
           </a:p>
@@ -4897,48 +4603,44 @@
         </p:nvSpPr>
         <p:spPr/>
         <p:txBody>
-          <a:bodyPr>
-            <a:normAutofit fontScale="92500" lnSpcReduction="10000"/>
-          </a:bodyPr>
+          <a:bodyPr/>
           <a:lstStyle/>
           <a:p>
             <a:r>
               <a:rPr lang="en-US" dirty="0" smtClean="0"/>
-              <a:t>In truth, it doesn’t really matter.</a:t>
+              <a:t>Beautiful is better than ugly.</a:t>
             </a:r>
           </a:p>
           <a:p>
             <a:r>
               <a:rPr lang="en-US" dirty="0" smtClean="0"/>
-              <a:t>If you’re going to code you need to start somewhere.</a:t>
+              <a:t>Explicit is better than implicit.</a:t>
             </a:r>
           </a:p>
           <a:p>
             <a:r>
               <a:rPr lang="en-US" dirty="0" smtClean="0"/>
-              <a:t>Python has an easier syntax than Perl or C or Ruby.</a:t>
-            </a:r>
-          </a:p>
-          <a:p>
-            <a:r>
-              <a:rPr lang="en-US" dirty="0"/>
-              <a:t>Python code is easy to use for beginners due to its intuitive design. Python is unlike other programming languages in that it uses indentation to identify blocks of code.</a:t>
-            </a:r>
-            <a:endParaRPr lang="en-US" dirty="0" smtClean="0"/>
+              <a:t>Simple is better than complex.</a:t>
+            </a:r>
           </a:p>
           <a:p>
             <a:r>
               <a:rPr lang="en-US" dirty="0" smtClean="0"/>
-              <a:t>It is a better starting point for non-programmers.</a:t>
-            </a:r>
-            <a:endParaRPr lang="en-US" dirty="0"/>
+              <a:t>Complex is better than complicated.</a:t>
+            </a:r>
+          </a:p>
+          <a:p>
+            <a:r>
+              <a:rPr lang="en-US" dirty="0" smtClean="0"/>
+              <a:t>Readability counts.</a:t>
+            </a:r>
           </a:p>
         </p:txBody>
       </p:sp>
     </p:spTree>
     <p:extLst>
       <p:ext uri="{BB962C8B-B14F-4D97-AF65-F5344CB8AC3E}">
-        <p14:creationId xmlns:p14="http://schemas.microsoft.com/office/powerpoint/2010/main" val="1020361948"/>
+        <p14:creationId xmlns:p14="http://schemas.microsoft.com/office/powerpoint/2010/main" val="247891153"/>
       </p:ext>
     </p:extLst>
   </p:cSld>
@@ -5265,6 +4967,399 @@
             <p:ph type="title"/>
           </p:nvPr>
         </p:nvSpPr>
+        <p:spPr/>
+        <p:txBody>
+          <a:bodyPr/>
+          <a:lstStyle/>
+          <a:p>
+            <a:r>
+              <a:rPr lang="en-US" dirty="0" smtClean="0"/>
+              <a:t>Why Python?</a:t>
+            </a:r>
+            <a:endParaRPr lang="en-US" dirty="0"/>
+          </a:p>
+        </p:txBody>
+      </p:sp>
+      <p:sp>
+        <p:nvSpPr>
+          <p:cNvPr id="3" name="Content Placeholder 2"/>
+          <p:cNvSpPr>
+            <a:spLocks noGrp="1"/>
+          </p:cNvSpPr>
+          <p:nvPr>
+            <p:ph idx="1"/>
+          </p:nvPr>
+        </p:nvSpPr>
+        <p:spPr/>
+        <p:txBody>
+          <a:bodyPr>
+            <a:normAutofit fontScale="92500" lnSpcReduction="10000"/>
+          </a:bodyPr>
+          <a:lstStyle/>
+          <a:p>
+            <a:r>
+              <a:rPr lang="en-US" dirty="0" smtClean="0"/>
+              <a:t>In truth, it doesn’t really matter.</a:t>
+            </a:r>
+          </a:p>
+          <a:p>
+            <a:r>
+              <a:rPr lang="en-US" dirty="0" smtClean="0"/>
+              <a:t>If you’re going to code you need to start somewhere.</a:t>
+            </a:r>
+          </a:p>
+          <a:p>
+            <a:r>
+              <a:rPr lang="en-US" dirty="0" smtClean="0"/>
+              <a:t>Python has an easier syntax than Perl or C or Ruby.</a:t>
+            </a:r>
+          </a:p>
+          <a:p>
+            <a:r>
+              <a:rPr lang="en-US" dirty="0"/>
+              <a:t>Python code is easy to use for beginners due to its intuitive design. Python is unlike other programming languages in that it uses indentation to identify blocks of code.</a:t>
+            </a:r>
+            <a:endParaRPr lang="en-US" dirty="0" smtClean="0"/>
+          </a:p>
+          <a:p>
+            <a:r>
+              <a:rPr lang="en-US" dirty="0" smtClean="0"/>
+              <a:t>It is a better starting point for non-programmers.</a:t>
+            </a:r>
+            <a:endParaRPr lang="en-US" dirty="0"/>
+          </a:p>
+        </p:txBody>
+      </p:sp>
+    </p:spTree>
+    <p:extLst>
+      <p:ext uri="{BB962C8B-B14F-4D97-AF65-F5344CB8AC3E}">
+        <p14:creationId xmlns:p14="http://schemas.microsoft.com/office/powerpoint/2010/main" val="1020361948"/>
+      </p:ext>
+    </p:extLst>
+  </p:cSld>
+  <p:clrMapOvr>
+    <a:masterClrMapping/>
+  </p:clrMapOvr>
+  <mc:AlternateContent xmlns:mc="http://schemas.openxmlformats.org/markup-compatibility/2006" xmlns:p14="http://schemas.microsoft.com/office/powerpoint/2010/main">
+    <mc:Choice Requires="p14">
+      <p:transition spd="med" p14:dur="700">
+        <p:fade/>
+      </p:transition>
+    </mc:Choice>
+    <mc:Fallback xmlns="">
+      <p:transition xmlns:p14="http://schemas.microsoft.com/office/powerpoint/2010/main" spd="med">
+        <p:fade/>
+      </p:transition>
+    </mc:Fallback>
+  </mc:AlternateContent>
+  <p:timing>
+    <p:tnLst>
+      <p:par>
+        <p:cTn xmlns:p14="http://schemas.microsoft.com/office/powerpoint/2010/main" id="1" dur="indefinite" restart="never" nodeType="tmRoot">
+          <p:childTnLst>
+            <p:seq concurrent="1" nextAc="seek">
+              <p:cTn id="2" dur="indefinite" nodeType="mainSeq">
+                <p:childTnLst>
+                  <p:par>
+                    <p:cTn id="3" fill="hold">
+                      <p:stCondLst>
+                        <p:cond delay="indefinite"/>
+                      </p:stCondLst>
+                      <p:childTnLst>
+                        <p:par>
+                          <p:cTn id="4" fill="hold">
+                            <p:stCondLst>
+                              <p:cond delay="0"/>
+                            </p:stCondLst>
+                            <p:childTnLst>
+                              <p:par>
+                                <p:cTn id="5" presetID="1" presetClass="entr" presetSubtype="0" fill="hold" grpId="0" nodeType="clickEffect">
+                                  <p:stCondLst>
+                                    <p:cond delay="0"/>
+                                  </p:stCondLst>
+                                  <p:childTnLst>
+                                    <p:set>
+                                      <p:cBhvr>
+                                        <p:cTn id="6" dur="1" fill="hold">
+                                          <p:stCondLst>
+                                            <p:cond delay="0"/>
+                                          </p:stCondLst>
+                                        </p:cTn>
+                                        <p:tgtEl>
+                                          <p:spTgt spid="3">
+                                            <p:txEl>
+                                              <p:pRg st="0" end="0"/>
+                                            </p:txEl>
+                                          </p:spTgt>
+                                        </p:tgtEl>
+                                        <p:attrNameLst>
+                                          <p:attrName>style.visibility</p:attrName>
+                                        </p:attrNameLst>
+                                      </p:cBhvr>
+                                      <p:to>
+                                        <p:strVal val="visible"/>
+                                      </p:to>
+                                    </p:set>
+                                  </p:childTnLst>
+                                </p:cTn>
+                              </p:par>
+                            </p:childTnLst>
+                          </p:cTn>
+                        </p:par>
+                      </p:childTnLst>
+                    </p:cTn>
+                  </p:par>
+                  <p:par>
+                    <p:cTn id="7" fill="hold">
+                      <p:stCondLst>
+                        <p:cond delay="indefinite"/>
+                      </p:stCondLst>
+                      <p:childTnLst>
+                        <p:par>
+                          <p:cTn id="8" fill="hold">
+                            <p:stCondLst>
+                              <p:cond delay="0"/>
+                            </p:stCondLst>
+                            <p:childTnLst>
+                              <p:par>
+                                <p:cTn id="9" presetID="1" presetClass="entr" presetSubtype="0" fill="hold" grpId="0" nodeType="clickEffect">
+                                  <p:stCondLst>
+                                    <p:cond delay="0"/>
+                                  </p:stCondLst>
+                                  <p:childTnLst>
+                                    <p:set>
+                                      <p:cBhvr>
+                                        <p:cTn id="10" dur="1" fill="hold">
+                                          <p:stCondLst>
+                                            <p:cond delay="0"/>
+                                          </p:stCondLst>
+                                        </p:cTn>
+                                        <p:tgtEl>
+                                          <p:spTgt spid="3">
+                                            <p:txEl>
+                                              <p:pRg st="1" end="1"/>
+                                            </p:txEl>
+                                          </p:spTgt>
+                                        </p:tgtEl>
+                                        <p:attrNameLst>
+                                          <p:attrName>style.visibility</p:attrName>
+                                        </p:attrNameLst>
+                                      </p:cBhvr>
+                                      <p:to>
+                                        <p:strVal val="visible"/>
+                                      </p:to>
+                                    </p:set>
+                                  </p:childTnLst>
+                                </p:cTn>
+                              </p:par>
+                            </p:childTnLst>
+                          </p:cTn>
+                        </p:par>
+                      </p:childTnLst>
+                    </p:cTn>
+                  </p:par>
+                  <p:par>
+                    <p:cTn id="11" fill="hold">
+                      <p:stCondLst>
+                        <p:cond delay="indefinite"/>
+                      </p:stCondLst>
+                      <p:childTnLst>
+                        <p:par>
+                          <p:cTn id="12" fill="hold">
+                            <p:stCondLst>
+                              <p:cond delay="0"/>
+                            </p:stCondLst>
+                            <p:childTnLst>
+                              <p:par>
+                                <p:cTn id="13" presetID="1" presetClass="entr" presetSubtype="0" fill="hold" grpId="0" nodeType="clickEffect">
+                                  <p:stCondLst>
+                                    <p:cond delay="0"/>
+                                  </p:stCondLst>
+                                  <p:childTnLst>
+                                    <p:set>
+                                      <p:cBhvr>
+                                        <p:cTn id="14" dur="1" fill="hold">
+                                          <p:stCondLst>
+                                            <p:cond delay="0"/>
+                                          </p:stCondLst>
+                                        </p:cTn>
+                                        <p:tgtEl>
+                                          <p:spTgt spid="3">
+                                            <p:txEl>
+                                              <p:pRg st="2" end="2"/>
+                                            </p:txEl>
+                                          </p:spTgt>
+                                        </p:tgtEl>
+                                        <p:attrNameLst>
+                                          <p:attrName>style.visibility</p:attrName>
+                                        </p:attrNameLst>
+                                      </p:cBhvr>
+                                      <p:to>
+                                        <p:strVal val="visible"/>
+                                      </p:to>
+                                    </p:set>
+                                  </p:childTnLst>
+                                </p:cTn>
+                              </p:par>
+                            </p:childTnLst>
+                          </p:cTn>
+                        </p:par>
+                      </p:childTnLst>
+                    </p:cTn>
+                  </p:par>
+                  <p:par>
+                    <p:cTn id="15" fill="hold">
+                      <p:stCondLst>
+                        <p:cond delay="indefinite"/>
+                      </p:stCondLst>
+                      <p:childTnLst>
+                        <p:par>
+                          <p:cTn id="16" fill="hold">
+                            <p:stCondLst>
+                              <p:cond delay="0"/>
+                            </p:stCondLst>
+                            <p:childTnLst>
+                              <p:par>
+                                <p:cTn id="17" presetID="1" presetClass="entr" presetSubtype="0" fill="hold" grpId="0" nodeType="clickEffect">
+                                  <p:stCondLst>
+                                    <p:cond delay="0"/>
+                                  </p:stCondLst>
+                                  <p:childTnLst>
+                                    <p:set>
+                                      <p:cBhvr>
+                                        <p:cTn id="18" dur="1" fill="hold">
+                                          <p:stCondLst>
+                                            <p:cond delay="0"/>
+                                          </p:stCondLst>
+                                        </p:cTn>
+                                        <p:tgtEl>
+                                          <p:spTgt spid="3">
+                                            <p:txEl>
+                                              <p:pRg st="3" end="3"/>
+                                            </p:txEl>
+                                          </p:spTgt>
+                                        </p:tgtEl>
+                                        <p:attrNameLst>
+                                          <p:attrName>style.visibility</p:attrName>
+                                        </p:attrNameLst>
+                                      </p:cBhvr>
+                                      <p:to>
+                                        <p:strVal val="visible"/>
+                                      </p:to>
+                                    </p:set>
+                                  </p:childTnLst>
+                                </p:cTn>
+                              </p:par>
+                            </p:childTnLst>
+                          </p:cTn>
+                        </p:par>
+                      </p:childTnLst>
+                    </p:cTn>
+                  </p:par>
+                  <p:par>
+                    <p:cTn id="19" fill="hold">
+                      <p:stCondLst>
+                        <p:cond delay="indefinite"/>
+                      </p:stCondLst>
+                      <p:childTnLst>
+                        <p:par>
+                          <p:cTn id="20" fill="hold">
+                            <p:stCondLst>
+                              <p:cond delay="0"/>
+                            </p:stCondLst>
+                            <p:childTnLst>
+                              <p:par>
+                                <p:cTn id="21" presetID="1" presetClass="entr" presetSubtype="0" fill="hold" grpId="0" nodeType="clickEffect">
+                                  <p:stCondLst>
+                                    <p:cond delay="0"/>
+                                  </p:stCondLst>
+                                  <p:childTnLst>
+                                    <p:set>
+                                      <p:cBhvr>
+                                        <p:cTn id="22" dur="1" fill="hold">
+                                          <p:stCondLst>
+                                            <p:cond delay="0"/>
+                                          </p:stCondLst>
+                                        </p:cTn>
+                                        <p:tgtEl>
+                                          <p:spTgt spid="3">
+                                            <p:txEl>
+                                              <p:pRg st="4" end="4"/>
+                                            </p:txEl>
+                                          </p:spTgt>
+                                        </p:tgtEl>
+                                        <p:attrNameLst>
+                                          <p:attrName>style.visibility</p:attrName>
+                                        </p:attrNameLst>
+                                      </p:cBhvr>
+                                      <p:to>
+                                        <p:strVal val="visible"/>
+                                      </p:to>
+                                    </p:set>
+                                  </p:childTnLst>
+                                </p:cTn>
+                              </p:par>
+                            </p:childTnLst>
+                          </p:cTn>
+                        </p:par>
+                      </p:childTnLst>
+                    </p:cTn>
+                  </p:par>
+                </p:childTnLst>
+              </p:cTn>
+              <p:prevCondLst>
+                <p:cond evt="onPrev" delay="0">
+                  <p:tgtEl>
+                    <p:sldTgt/>
+                  </p:tgtEl>
+                </p:cond>
+              </p:prevCondLst>
+              <p:nextCondLst>
+                <p:cond evt="onNext" delay="0">
+                  <p:tgtEl>
+                    <p:sldTgt/>
+                  </p:tgtEl>
+                </p:cond>
+              </p:nextCondLst>
+            </p:seq>
+          </p:childTnLst>
+        </p:cTn>
+      </p:par>
+    </p:tnLst>
+    <p:bldLst>
+      <p:bldP spid="3" grpId="0" build="p"/>
+    </p:bldLst>
+  </p:timing>
+</p:sld>
+</file>
+
+<file path=ppt/slides/slide6.xml><?xml version="1.0" encoding="utf-8"?>
+<p:sld xmlns:a="http://schemas.openxmlformats.org/drawingml/2006/main" xmlns:r="http://schemas.openxmlformats.org/officeDocument/2006/relationships" xmlns:p="http://schemas.openxmlformats.org/presentationml/2006/main">
+  <p:cSld>
+    <p:spTree>
+      <p:nvGrpSpPr>
+        <p:cNvPr id="1" name=""/>
+        <p:cNvGrpSpPr/>
+        <p:nvPr/>
+      </p:nvGrpSpPr>
+      <p:grpSpPr>
+        <a:xfrm>
+          <a:off x="0" y="0"/>
+          <a:ext cx="0" cy="0"/>
+          <a:chOff x="0" y="0"/>
+          <a:chExt cx="0" cy="0"/>
+        </a:xfrm>
+      </p:grpSpPr>
+      <p:sp>
+        <p:nvSpPr>
+          <p:cNvPr id="2" name="Title 1"/>
+          <p:cNvSpPr>
+            <a:spLocks noGrp="1"/>
+          </p:cNvSpPr>
+          <p:nvPr>
+            <p:ph type="title"/>
+          </p:nvPr>
+        </p:nvSpPr>
         <p:spPr>
           <a:xfrm>
             <a:off x="457200" y="55653"/>
@@ -5304,9 +5399,10 @@
               <a:buNone/>
             </a:pPr>
             <a:r>
-              <a:rPr lang="en-US" i="1" dirty="0"/>
-              <a:t>Perl</a:t>
-            </a:r>
+              <a:rPr lang="en-US" i="1" dirty="0" smtClean="0"/>
+              <a:t>Python</a:t>
+            </a:r>
+            <a:endParaRPr lang="en-US" i="1" dirty="0"/>
           </a:p>
           <a:p>
             <a:pPr marL="0" indent="0">
@@ -5861,7 +5957,7 @@
 </p:sld>
 </file>
 
-<file path=ppt/slides/slide6.xml><?xml version="1.0" encoding="utf-8"?>
+<file path=ppt/slides/slide7.xml><?xml version="1.0" encoding="utf-8"?>
 <p:sld xmlns:a="http://schemas.openxmlformats.org/drawingml/2006/main" xmlns:r="http://schemas.openxmlformats.org/officeDocument/2006/relationships" xmlns:p="http://schemas.openxmlformats.org/presentationml/2006/main">
   <p:cSld>
     <p:spTree>
@@ -6250,7 +6346,7 @@
 </p:sld>
 </file>
 
-<file path=ppt/slides/slide7.xml><?xml version="1.0" encoding="utf-8"?>
+<file path=ppt/slides/slide8.xml><?xml version="1.0" encoding="utf-8"?>
 <p:sld xmlns:a="http://schemas.openxmlformats.org/drawingml/2006/main" xmlns:r="http://schemas.openxmlformats.org/officeDocument/2006/relationships" xmlns:p="http://schemas.openxmlformats.org/presentationml/2006/main">
   <p:cSld>
     <p:spTree>
@@ -6829,7 +6925,7 @@
 </p:sld>
 </file>
 
-<file path=ppt/slides/slide8.xml><?xml version="1.0" encoding="utf-8"?>
+<file path=ppt/slides/slide9.xml><?xml version="1.0" encoding="utf-8"?>
 <p:sld xmlns:a="http://schemas.openxmlformats.org/drawingml/2006/main" xmlns:r="http://schemas.openxmlformats.org/officeDocument/2006/relationships" xmlns:p="http://schemas.openxmlformats.org/presentationml/2006/main">
   <p:cSld>
     <p:spTree>
@@ -6928,6 +7024,13 @@
       </p:transition>
     </mc:Fallback>
   </mc:AlternateContent>
+  <p:timing>
+    <p:tnLst>
+      <p:par>
+        <p:cTn xmlns:p14="http://schemas.microsoft.com/office/powerpoint/2010/main" id="1" dur="indefinite" restart="never" nodeType="tmRoot"/>
+      </p:par>
+    </p:tnLst>
+  </p:timing>
 </p:sld>
 </file>
 
